--- a/make_presentation/templates/templates/classic/_6.pptx
+++ b/make_presentation/templates/templates/classic/_6.pptx
@@ -297,7 +297,7 @@
             <a:pPr algn="r">
               <a:buNone/>
             </a:pPr>
-            <a:fld id="{0AC67F7B-B74F-4693-9DB2-BFD3656CFBE8}" type="slidenum">
+            <a:fld id="{BFB1563D-1164-471B-A7CA-38608477D336}" type="slidenum">
               <a:rPr b="0" lang="en-US" sz="1400" spc="-1" strike="noStrike">
                 <a:latin typeface="Times New Roman"/>
               </a:rPr>
@@ -345,7 +345,7 @@
         <p:spPr>
           <a:xfrm>
             <a:off x="380880" y="685800"/>
-            <a:ext cx="6093000" cy="3426120"/>
+            <a:ext cx="6092640" cy="3425760"/>
           </a:xfrm>
           <a:prstGeom prst="rect">
             <a:avLst/>
@@ -368,7 +368,7 @@
         <p:spPr>
           <a:xfrm>
             <a:off x="685800" y="4343400"/>
-            <a:ext cx="5483520" cy="4111920"/>
+            <a:ext cx="5483160" cy="4111560"/>
           </a:xfrm>
           <a:prstGeom prst="rect">
             <a:avLst/>
@@ -402,7 +402,7 @@
         <p:spPr>
           <a:xfrm>
             <a:off x="3884760" y="8685360"/>
-            <a:ext cx="2968920" cy="454320"/>
+            <a:ext cx="2968560" cy="453960"/>
           </a:xfrm>
           <a:prstGeom prst="rect">
             <a:avLst/>
@@ -438,7 +438,7 @@
               </a:lnSpc>
               <a:buNone/>
             </a:pPr>
-            <a:fld id="{B8940A16-85B8-41C3-8387-10CFCEE11159}" type="slidenum">
+            <a:fld id="{98A2E009-6AAB-4B8E-8D5D-73E034093727}" type="slidenum">
               <a:rPr b="0" lang="en-US" sz="1200" spc="-1" strike="noStrike">
                 <a:solidFill>
                   <a:srgbClr val="000000"/>
@@ -489,7 +489,7 @@
         <p:spPr>
           <a:xfrm>
             <a:off x="380880" y="685800"/>
-            <a:ext cx="6093000" cy="3426120"/>
+            <a:ext cx="6092640" cy="3425760"/>
           </a:xfrm>
           <a:prstGeom prst="rect">
             <a:avLst/>
@@ -512,7 +512,7 @@
         <p:spPr>
           <a:xfrm>
             <a:off x="685800" y="4343400"/>
-            <a:ext cx="5483520" cy="4111920"/>
+            <a:ext cx="5483160" cy="4111560"/>
           </a:xfrm>
           <a:prstGeom prst="rect">
             <a:avLst/>
@@ -546,7 +546,7 @@
         <p:spPr>
           <a:xfrm>
             <a:off x="3884760" y="8685360"/>
-            <a:ext cx="2968920" cy="454320"/>
+            <a:ext cx="2968560" cy="453960"/>
           </a:xfrm>
           <a:prstGeom prst="rect">
             <a:avLst/>
@@ -582,7 +582,7 @@
               </a:lnSpc>
               <a:buNone/>
             </a:pPr>
-            <a:fld id="{9565F7C2-45EE-46E3-8BDB-2F4FF94FA6AC}" type="slidenum">
+            <a:fld id="{33972229-C38F-4EF1-A6D5-B76389AB917B}" type="slidenum">
               <a:rPr b="0" lang="en-US" sz="1200" spc="-1" strike="noStrike">
                 <a:solidFill>
                   <a:srgbClr val="000000"/>
@@ -633,7 +633,7 @@
         <p:spPr>
           <a:xfrm>
             <a:off x="380880" y="685800"/>
-            <a:ext cx="6093000" cy="3426120"/>
+            <a:ext cx="6092640" cy="3425760"/>
           </a:xfrm>
           <a:prstGeom prst="rect">
             <a:avLst/>
@@ -656,7 +656,7 @@
         <p:spPr>
           <a:xfrm>
             <a:off x="685800" y="4343400"/>
-            <a:ext cx="5483520" cy="4111920"/>
+            <a:ext cx="5483160" cy="4111560"/>
           </a:xfrm>
           <a:prstGeom prst="rect">
             <a:avLst/>
@@ -690,7 +690,7 @@
         <p:spPr>
           <a:xfrm>
             <a:off x="3884760" y="8685360"/>
-            <a:ext cx="2968920" cy="454320"/>
+            <a:ext cx="2968560" cy="453960"/>
           </a:xfrm>
           <a:prstGeom prst="rect">
             <a:avLst/>
@@ -726,7 +726,7 @@
               </a:lnSpc>
               <a:buNone/>
             </a:pPr>
-            <a:fld id="{E4B81ECD-33EB-440D-9FB8-8A072C8B8C6E}" type="slidenum">
+            <a:fld id="{03E1DB43-CC67-40C4-904C-62EB03F17B24}" type="slidenum">
               <a:rPr b="0" lang="en-US" sz="1200" spc="-1" strike="noStrike">
                 <a:solidFill>
                   <a:srgbClr val="000000"/>
@@ -777,7 +777,7 @@
         <p:spPr>
           <a:xfrm>
             <a:off x="380880" y="685800"/>
-            <a:ext cx="6093000" cy="3426120"/>
+            <a:ext cx="6092640" cy="3425760"/>
           </a:xfrm>
           <a:prstGeom prst="rect">
             <a:avLst/>
@@ -800,7 +800,7 @@
         <p:spPr>
           <a:xfrm>
             <a:off x="685800" y="4343400"/>
-            <a:ext cx="5483520" cy="4111920"/>
+            <a:ext cx="5483160" cy="4111560"/>
           </a:xfrm>
           <a:prstGeom prst="rect">
             <a:avLst/>
@@ -834,7 +834,7 @@
         <p:spPr>
           <a:xfrm>
             <a:off x="3884760" y="8685360"/>
-            <a:ext cx="2968920" cy="454320"/>
+            <a:ext cx="2968560" cy="453960"/>
           </a:xfrm>
           <a:prstGeom prst="rect">
             <a:avLst/>
@@ -870,7 +870,7 @@
               </a:lnSpc>
               <a:buNone/>
             </a:pPr>
-            <a:fld id="{23A7E71B-69B5-4DC5-81EE-7B5B955DE523}" type="slidenum">
+            <a:fld id="{574A8FBC-C063-4F40-BE82-DF73B9B6BC13}" type="slidenum">
               <a:rPr b="0" lang="en-US" sz="1200" spc="-1" strike="noStrike">
                 <a:solidFill>
                   <a:srgbClr val="000000"/>
@@ -921,7 +921,7 @@
         <p:spPr>
           <a:xfrm>
             <a:off x="380880" y="685800"/>
-            <a:ext cx="6093000" cy="3426120"/>
+            <a:ext cx="6092640" cy="3425760"/>
           </a:xfrm>
           <a:prstGeom prst="rect">
             <a:avLst/>
@@ -944,7 +944,7 @@
         <p:spPr>
           <a:xfrm>
             <a:off x="685800" y="4343400"/>
-            <a:ext cx="5483520" cy="4111920"/>
+            <a:ext cx="5483160" cy="4111560"/>
           </a:xfrm>
           <a:prstGeom prst="rect">
             <a:avLst/>
@@ -978,7 +978,7 @@
         <p:spPr>
           <a:xfrm>
             <a:off x="3884760" y="8685360"/>
-            <a:ext cx="2968920" cy="454320"/>
+            <a:ext cx="2968560" cy="453960"/>
           </a:xfrm>
           <a:prstGeom prst="rect">
             <a:avLst/>
@@ -1014,7 +1014,7 @@
               </a:lnSpc>
               <a:buNone/>
             </a:pPr>
-            <a:fld id="{E0649304-8EF5-402F-AB69-D550DE9E7FAE}" type="slidenum">
+            <a:fld id="{CC4A467E-28A2-4E18-8B2B-6BF2BF8AD345}" type="slidenum">
               <a:rPr b="0" lang="en-US" sz="1200" spc="-1" strike="noStrike">
                 <a:solidFill>
                   <a:srgbClr val="000000"/>
@@ -1065,7 +1065,7 @@
         <p:spPr>
           <a:xfrm>
             <a:off x="380880" y="685800"/>
-            <a:ext cx="6093000" cy="3426120"/>
+            <a:ext cx="6092640" cy="3425760"/>
           </a:xfrm>
           <a:prstGeom prst="rect">
             <a:avLst/>
@@ -1088,7 +1088,7 @@
         <p:spPr>
           <a:xfrm>
             <a:off x="685800" y="4343400"/>
-            <a:ext cx="5483520" cy="4111920"/>
+            <a:ext cx="5483160" cy="4111560"/>
           </a:xfrm>
           <a:prstGeom prst="rect">
             <a:avLst/>
@@ -1122,7 +1122,7 @@
         <p:spPr>
           <a:xfrm>
             <a:off x="3884760" y="8685360"/>
-            <a:ext cx="2968920" cy="454320"/>
+            <a:ext cx="2968560" cy="453960"/>
           </a:xfrm>
           <a:prstGeom prst="rect">
             <a:avLst/>
@@ -1158,7 +1158,7 @@
               </a:lnSpc>
               <a:buNone/>
             </a:pPr>
-            <a:fld id="{8EB3853B-4DCC-4B13-89E8-8F260914B1E1}" type="slidenum">
+            <a:fld id="{E962E895-A570-4435-8B55-C20A1BF1E9B3}" type="slidenum">
               <a:rPr b="0" lang="en-US" sz="1200" spc="-1" strike="noStrike">
                 <a:solidFill>
                   <a:srgbClr val="000000"/>
@@ -1230,7 +1230,7 @@
         <p:txBody>
           <a:bodyPr/>
           <a:p>
-            <a:fld id="{4E080AC2-BB8A-40AD-8B39-4ECE2A8E9395}" type="slidenum">
+            <a:fld id="{500C7C97-B5EB-49F4-9E38-C7987C027BC0}" type="slidenum">
               <a:t>&lt;#&gt;</a:t>
             </a:fld>
           </a:p>
@@ -1418,7 +1418,7 @@
         <p:txBody>
           <a:bodyPr/>
           <a:p>
-            <a:fld id="{3BF39911-191B-41C7-BA2C-40511041597D}" type="slidenum">
+            <a:fld id="{F2646A9D-65D6-40CE-A113-EEFF0CF8217E}" type="slidenum">
               <a:t>&lt;#&gt;</a:t>
             </a:fld>
           </a:p>
@@ -1674,7 +1674,7 @@
         <p:txBody>
           <a:bodyPr/>
           <a:p>
-            <a:fld id="{60ACB240-23B2-43A7-AC42-727A14610BBC}" type="slidenum">
+            <a:fld id="{91560DA0-C086-44F0-A7F5-7EA36FBFBB41}" type="slidenum">
               <a:t>&lt;#&gt;</a:t>
             </a:fld>
           </a:p>
@@ -1998,7 +1998,7 @@
         <p:txBody>
           <a:bodyPr/>
           <a:p>
-            <a:fld id="{E7FC121D-8437-481C-A526-136EF0563A88}" type="slidenum">
+            <a:fld id="{D55D084B-BAEC-4125-9202-1C957AAE30CE}" type="slidenum">
               <a:t>&lt;#&gt;</a:t>
             </a:fld>
           </a:p>
@@ -2155,7 +2155,7 @@
         <p:txBody>
           <a:bodyPr/>
           <a:p>
-            <a:fld id="{C3A3CC0B-EC91-4833-9296-2B8FE5B07EFD}" type="slidenum">
+            <a:fld id="{8E9ABD30-3CE0-4822-B6EC-DE7683E5E9DB}" type="slidenum">
               <a:t>&lt;#&gt;</a:t>
             </a:fld>
           </a:p>
@@ -2309,7 +2309,7 @@
         <p:txBody>
           <a:bodyPr/>
           <a:p>
-            <a:fld id="{E84B8BC3-40A5-45F6-B0E1-7779B38CA49A}" type="slidenum">
+            <a:fld id="{A11EEA3F-1771-4D35-94A0-CB7D80916AF7}" type="slidenum">
               <a:t>&lt;#&gt;</a:t>
             </a:fld>
           </a:p>
@@ -2497,7 +2497,7 @@
         <p:txBody>
           <a:bodyPr/>
           <a:p>
-            <a:fld id="{7325B63B-B633-483A-BCE6-F6ED4035B157}" type="slidenum">
+            <a:fld id="{E8888629-2452-4DBD-BF3C-BE110D64C8C2}" type="slidenum">
               <a:t>&lt;#&gt;</a:t>
             </a:fld>
           </a:p>
@@ -2617,7 +2617,7 @@
         <p:txBody>
           <a:bodyPr/>
           <a:p>
-            <a:fld id="{138CAE2A-1CA4-42AF-B2BC-4725CD897E97}" type="slidenum">
+            <a:fld id="{1B338275-AA6D-4EFE-AAAE-92E8B55EDBD9}" type="slidenum">
               <a:t>&lt;#&gt;</a:t>
             </a:fld>
           </a:p>
@@ -2737,7 +2737,7 @@
         <p:txBody>
           <a:bodyPr/>
           <a:p>
-            <a:fld id="{71878508-578E-4715-8E7F-0CEE367FCDBD}" type="slidenum">
+            <a:fld id="{E1E371B6-CBCE-47CF-B913-81AB89ED1B6D}" type="slidenum">
               <a:t>&lt;#&gt;</a:t>
             </a:fld>
           </a:p>
@@ -2959,7 +2959,7 @@
         <p:txBody>
           <a:bodyPr/>
           <a:p>
-            <a:fld id="{BE1C0833-8305-4305-B027-A63ECAE5E594}" type="slidenum">
+            <a:fld id="{4BE60EE8-E016-4BD8-BD19-EC2C8F96969C}" type="slidenum">
               <a:t>&lt;#&gt;</a:t>
             </a:fld>
           </a:p>
@@ -3181,7 +3181,7 @@
         <p:txBody>
           <a:bodyPr/>
           <a:p>
-            <a:fld id="{3AEE19B8-C6AE-4029-BEB8-E6A6397AEA2F}" type="slidenum">
+            <a:fld id="{E85E4966-C1AA-4D89-9B26-AF89A6E14D73}" type="slidenum">
               <a:t>&lt;#&gt;</a:t>
             </a:fld>
           </a:p>
@@ -3403,7 +3403,7 @@
         <p:txBody>
           <a:bodyPr/>
           <a:p>
-            <a:fld id="{5D0828FA-D175-4CC9-9CD0-40775F24E712}" type="slidenum">
+            <a:fld id="{6BA3A747-6A77-40A9-866E-C000D4E78F42}" type="slidenum">
               <a:t>&lt;#&gt;</a:t>
             </a:fld>
           </a:p>
@@ -3472,7 +3472,7 @@
         <p:spPr>
           <a:xfrm>
             <a:off x="3028680" y="4771440"/>
-            <a:ext cx="3083760" cy="271800"/>
+            <a:ext cx="3083400" cy="271440"/>
           </a:xfrm>
           <a:prstGeom prst="rect">
             <a:avLst/>
@@ -3537,7 +3537,7 @@
         <p:spPr>
           <a:xfrm>
             <a:off x="6457680" y="4771440"/>
-            <a:ext cx="2055240" cy="271800"/>
+            <a:ext cx="2054880" cy="271440"/>
           </a:xfrm>
           <a:prstGeom prst="rect">
             <a:avLst/>
@@ -3573,7 +3573,7 @@
               </a:lnSpc>
               <a:buNone/>
             </a:pPr>
-            <a:fld id="{4C80B6CA-16CF-4FD6-A3B4-B408E87D5235}" type="slidenum">
+            <a:fld id="{B6F3EEE2-5EBB-404F-96E3-3BF0A2E3DF80}" type="slidenum">
               <a:rPr b="0" lang="en-US" sz="1200" spc="-1" strike="noStrike">
                 <a:solidFill>
                   <a:srgbClr val="8b8b8b"/>
@@ -3602,7 +3602,7 @@
         <p:spPr>
           <a:xfrm>
             <a:off x="628200" y="4771440"/>
-            <a:ext cx="2055240" cy="271800"/>
+            <a:ext cx="2054880" cy="271440"/>
           </a:xfrm>
           <a:prstGeom prst="rect">
             <a:avLst/>
@@ -3914,8 +3914,8 @@
         </p:nvSpPr>
         <p:spPr>
           <a:xfrm rot="2744400">
-            <a:off x="-282600" y="-25920"/>
-            <a:ext cx="705960" cy="705600"/>
+            <a:off x="-282240" y="-25920"/>
+            <a:ext cx="705600" cy="705240"/>
           </a:xfrm>
           <a:prstGeom prst="roundRect">
             <a:avLst>
@@ -3952,8 +3952,8 @@
         </p:nvSpPr>
         <p:spPr>
           <a:xfrm rot="2625600">
-            <a:off x="6024960" y="4334040"/>
-            <a:ext cx="469800" cy="469800"/>
+            <a:off x="6024960" y="4333680"/>
+            <a:ext cx="469440" cy="469440"/>
           </a:xfrm>
           <a:prstGeom prst="roundRect">
             <a:avLst>
@@ -3991,7 +3991,7 @@
         <p:spPr>
           <a:xfrm rot="18679200">
             <a:off x="7004880" y="948600"/>
-            <a:ext cx="4941360" cy="4667760"/>
+            <a:ext cx="4941000" cy="4667400"/>
           </a:xfrm>
           <a:prstGeom prst="roundRect">
             <a:avLst>
@@ -4029,7 +4029,7 @@
         <p:spPr>
           <a:xfrm>
             <a:off x="459720" y="4671360"/>
-            <a:ext cx="2997000" cy="267840"/>
+            <a:ext cx="2996640" cy="267480"/>
           </a:xfrm>
           <a:prstGeom prst="rect">
             <a:avLst/>
@@ -4094,8 +4094,8 @@
         </p:blipFill>
         <p:spPr>
           <a:xfrm>
-            <a:off x="2423160" y="4671720"/>
-            <a:ext cx="289440" cy="289440"/>
+            <a:off x="2971800" y="4740120"/>
+            <a:ext cx="289080" cy="289080"/>
           </a:xfrm>
           <a:prstGeom prst="rect">
             <a:avLst/>
@@ -4114,7 +4114,7 @@
         <p:spPr>
           <a:xfrm>
             <a:off x="484920" y="1681560"/>
-            <a:ext cx="5482440" cy="1883880"/>
+            <a:ext cx="5482080" cy="1883520"/>
           </a:xfrm>
           <a:prstGeom prst="rect">
             <a:avLst/>
@@ -4196,7 +4196,7 @@
         <p:spPr>
           <a:xfrm>
             <a:off x="586440" y="1246680"/>
-            <a:ext cx="4005720" cy="3601440"/>
+            <a:ext cx="4005360" cy="3601080"/>
           </a:xfrm>
           <a:prstGeom prst="rect">
             <a:avLst/>
@@ -4248,7 +4248,7 @@
         <p:spPr>
           <a:xfrm>
             <a:off x="559800" y="446040"/>
-            <a:ext cx="4285080" cy="685080"/>
+            <a:ext cx="4284720" cy="684720"/>
           </a:xfrm>
           <a:prstGeom prst="rect">
             <a:avLst/>
@@ -4300,7 +4300,7 @@
         <p:spPr>
           <a:xfrm>
             <a:off x="5097600" y="360"/>
-            <a:ext cx="4381200" cy="5145480"/>
+            <a:ext cx="4380840" cy="5145120"/>
           </a:xfrm>
           <a:prstGeom prst="roundRect">
             <a:avLst>
@@ -4365,8 +4365,8 @@
         </p:nvSpPr>
         <p:spPr>
           <a:xfrm rot="2744400">
-            <a:off x="-282600" y="-25920"/>
-            <a:ext cx="705960" cy="705600"/>
+            <a:off x="-282240" y="-25920"/>
+            <a:ext cx="705600" cy="705240"/>
           </a:xfrm>
           <a:prstGeom prst="roundRect">
             <a:avLst>
@@ -4403,8 +4403,8 @@
         </p:nvSpPr>
         <p:spPr>
           <a:xfrm rot="2625600">
-            <a:off x="4861080" y="4147920"/>
-            <a:ext cx="469800" cy="469800"/>
+            <a:off x="4861080" y="4147560"/>
+            <a:ext cx="469440" cy="469440"/>
           </a:xfrm>
           <a:prstGeom prst="roundRect">
             <a:avLst>
@@ -4478,8 +4478,8 @@
         </p:nvSpPr>
         <p:spPr>
           <a:xfrm rot="2744400">
-            <a:off x="-351720" y="4541400"/>
-            <a:ext cx="705960" cy="705600"/>
+            <a:off x="-351360" y="4541040"/>
+            <a:ext cx="705600" cy="705240"/>
           </a:xfrm>
           <a:prstGeom prst="roundRect">
             <a:avLst>
@@ -4516,8 +4516,8 @@
         </p:nvSpPr>
         <p:spPr>
           <a:xfrm rot="19228200">
-            <a:off x="5847480" y="-2268000"/>
-            <a:ext cx="4856760" cy="7727760"/>
+            <a:off x="5847120" y="-2267640"/>
+            <a:ext cx="4856400" cy="7727400"/>
           </a:xfrm>
           <a:prstGeom prst="roundRect">
             <a:avLst>
@@ -4555,9 +4555,9 @@
         <p:grpSpPr>
           <a:xfrm>
             <a:off x="4571640" y="828000"/>
-            <a:ext cx="4469760" cy="3565800"/>
+            <a:ext cx="4469400" cy="3565440"/>
             <a:chOff x="4571640" y="828000"/>
-            <a:chExt cx="4469760" cy="3565800"/>
+            <a:chExt cx="4469400" cy="3565440"/>
           </a:xfrm>
         </p:grpSpPr>
         <p:pic>
@@ -4573,7 +4573,7 @@
           <p:spPr>
             <a:xfrm>
               <a:off x="4571640" y="828000"/>
-              <a:ext cx="4469760" cy="3565800"/>
+              <a:ext cx="4469400" cy="3565440"/>
             </a:xfrm>
             <a:prstGeom prst="rect">
               <a:avLst/>
@@ -4591,8 +4591,8 @@
           </p:nvSpPr>
           <p:spPr>
             <a:xfrm rot="16200000">
-              <a:off x="5962680" y="1157400"/>
-              <a:ext cx="1738800" cy="2772720"/>
+              <a:off x="5962680" y="1157760"/>
+              <a:ext cx="1738440" cy="2772360"/>
             </a:xfrm>
             <a:prstGeom prst="roundRect">
               <a:avLst>
@@ -4659,7 +4659,7 @@
         <p:spPr>
           <a:xfrm>
             <a:off x="586440" y="1246680"/>
-            <a:ext cx="4005720" cy="3601440"/>
+            <a:ext cx="4005360" cy="3601080"/>
           </a:xfrm>
           <a:prstGeom prst="rect">
             <a:avLst/>
@@ -4711,7 +4711,7 @@
         <p:spPr>
           <a:xfrm>
             <a:off x="5446080" y="1672200"/>
-            <a:ext cx="2781720" cy="1738800"/>
+            <a:ext cx="2781360" cy="1738440"/>
           </a:xfrm>
           <a:prstGeom prst="rect">
             <a:avLst/>
@@ -4763,7 +4763,7 @@
         <p:spPr>
           <a:xfrm>
             <a:off x="586440" y="453960"/>
-            <a:ext cx="3698280" cy="856800"/>
+            <a:ext cx="3697920" cy="856440"/>
           </a:xfrm>
           <a:prstGeom prst="rect">
             <a:avLst/>
@@ -4852,7 +4852,7 @@
         <p:spPr>
           <a:xfrm>
             <a:off x="4222080" y="1246680"/>
-            <a:ext cx="4116600" cy="3601440"/>
+            <a:ext cx="4116240" cy="3601080"/>
           </a:xfrm>
           <a:prstGeom prst="rect">
             <a:avLst/>
@@ -4903,8 +4903,8 @@
         </p:nvSpPr>
         <p:spPr>
           <a:xfrm rot="16200000">
-            <a:off x="-2181600" y="1731960"/>
-            <a:ext cx="5145480" cy="1685520"/>
+            <a:off x="-2181600" y="1732320"/>
+            <a:ext cx="5145120" cy="1685160"/>
           </a:xfrm>
           <a:prstGeom prst="roundRect">
             <a:avLst>
@@ -4942,7 +4942,7 @@
         <p:spPr>
           <a:xfrm rot="2745000">
             <a:off x="8575200" y="104760"/>
-            <a:ext cx="1134000" cy="1133640"/>
+            <a:ext cx="1133640" cy="1133280"/>
           </a:xfrm>
           <a:prstGeom prst="roundRect">
             <a:avLst>
@@ -4979,8 +4979,8 @@
         </p:nvSpPr>
         <p:spPr>
           <a:xfrm rot="16200000">
-            <a:off x="614880" y="917280"/>
-            <a:ext cx="3233520" cy="3315240"/>
+            <a:off x="614880" y="917640"/>
+            <a:ext cx="3233160" cy="3314880"/>
           </a:xfrm>
           <a:prstGeom prst="roundRect">
             <a:avLst>
@@ -5046,7 +5046,7 @@
         <p:spPr>
           <a:xfrm>
             <a:off x="4214160" y="456120"/>
-            <a:ext cx="4113360" cy="856800"/>
+            <a:ext cx="4113000" cy="856440"/>
           </a:xfrm>
           <a:prstGeom prst="rect">
             <a:avLst/>
@@ -5134,8 +5134,8 @@
         </p:nvSpPr>
         <p:spPr>
           <a:xfrm rot="2744400">
-            <a:off x="-282600" y="-25920"/>
-            <a:ext cx="705960" cy="705600"/>
+            <a:off x="-282240" y="-25920"/>
+            <a:ext cx="705600" cy="705240"/>
           </a:xfrm>
           <a:prstGeom prst="roundRect">
             <a:avLst>
@@ -5173,7 +5173,7 @@
         <p:spPr>
           <a:xfrm rot="2332200">
             <a:off x="6009480" y="-320040"/>
-            <a:ext cx="4857120" cy="7728120"/>
+            <a:ext cx="4856760" cy="7727760"/>
           </a:xfrm>
           <a:prstGeom prst="roundRect">
             <a:avLst>
@@ -5211,9 +5211,9 @@
         <p:grpSpPr>
           <a:xfrm>
             <a:off x="4571640" y="828000"/>
-            <a:ext cx="4469760" cy="3565800"/>
+            <a:ext cx="4469400" cy="3565440"/>
             <a:chOff x="4571640" y="828000"/>
-            <a:chExt cx="4469760" cy="3565800"/>
+            <a:chExt cx="4469400" cy="3565440"/>
           </a:xfrm>
         </p:grpSpPr>
         <p:pic>
@@ -5229,7 +5229,7 @@
           <p:spPr>
             <a:xfrm>
               <a:off x="4571640" y="828000"/>
-              <a:ext cx="4469760" cy="3565800"/>
+              <a:ext cx="4469400" cy="3565440"/>
             </a:xfrm>
             <a:prstGeom prst="rect">
               <a:avLst/>
@@ -5247,8 +5247,8 @@
           </p:nvSpPr>
           <p:spPr>
             <a:xfrm rot="16200000">
-              <a:off x="5962680" y="1157400"/>
-              <a:ext cx="1738800" cy="2772720"/>
+              <a:off x="5962680" y="1157760"/>
+              <a:ext cx="1738440" cy="2772360"/>
             </a:xfrm>
             <a:prstGeom prst="roundRect">
               <a:avLst>
@@ -5315,7 +5315,7 @@
         <p:spPr>
           <a:xfrm>
             <a:off x="5446080" y="1672200"/>
-            <a:ext cx="2772360" cy="1738800"/>
+            <a:ext cx="2772000" cy="1738440"/>
           </a:xfrm>
           <a:prstGeom prst="rect">
             <a:avLst/>
@@ -5367,7 +5367,7 @@
         <p:spPr>
           <a:xfrm>
             <a:off x="586440" y="1246680"/>
-            <a:ext cx="4005720" cy="3601440"/>
+            <a:ext cx="4005360" cy="3601080"/>
           </a:xfrm>
           <a:prstGeom prst="rect">
             <a:avLst/>
@@ -5419,7 +5419,7 @@
         <p:spPr>
           <a:xfrm>
             <a:off x="586440" y="453960"/>
-            <a:ext cx="4765680" cy="856800"/>
+            <a:ext cx="4765320" cy="856440"/>
           </a:xfrm>
           <a:prstGeom prst="rect">
             <a:avLst/>
@@ -5507,8 +5507,8 @@
         </p:nvSpPr>
         <p:spPr>
           <a:xfrm rot="2744400">
-            <a:off x="-282600" y="-25920"/>
-            <a:ext cx="705960" cy="705600"/>
+            <a:off x="-282240" y="-25920"/>
+            <a:ext cx="705600" cy="705240"/>
           </a:xfrm>
           <a:prstGeom prst="roundRect">
             <a:avLst>
@@ -5546,7 +5546,7 @@
         <p:spPr>
           <a:xfrm>
             <a:off x="569160" y="1888920"/>
-            <a:ext cx="4822560" cy="820800"/>
+            <a:ext cx="4822200" cy="820800"/>
           </a:xfrm>
           <a:prstGeom prst="rect">
             <a:avLst/>
@@ -5598,7 +5598,7 @@
         <p:spPr>
           <a:xfrm rot="18679800">
             <a:off x="6783120" y="457560"/>
-            <a:ext cx="6252120" cy="4667760"/>
+            <a:ext cx="6251760" cy="4667400"/>
           </a:xfrm>
           <a:prstGeom prst="roundRect">
             <a:avLst>
@@ -5635,8 +5635,8 @@
         </p:nvSpPr>
         <p:spPr>
           <a:xfrm rot="2625600">
-            <a:off x="6024960" y="4334040"/>
-            <a:ext cx="469800" cy="469800"/>
+            <a:off x="6024960" y="4333680"/>
+            <a:ext cx="469440" cy="469440"/>
           </a:xfrm>
           <a:prstGeom prst="roundRect">
             <a:avLst>
@@ -5674,7 +5674,7 @@
         <p:spPr>
           <a:xfrm>
             <a:off x="1640880" y="4592880"/>
-            <a:ext cx="2997000" cy="267840"/>
+            <a:ext cx="2996640" cy="267480"/>
           </a:xfrm>
           <a:prstGeom prst="rect">
             <a:avLst/>
@@ -5736,7 +5736,7 @@
         <p:spPr>
           <a:xfrm>
             <a:off x="867240" y="3590280"/>
-            <a:ext cx="254880" cy="255240"/>
+            <a:ext cx="254520" cy="254880"/>
           </a:xfrm>
           <a:prstGeom prst="ellipse">
             <a:avLst/>
@@ -5771,7 +5771,7 @@
         <p:spPr>
           <a:xfrm>
             <a:off x="351000" y="3793320"/>
-            <a:ext cx="1287360" cy="1132920"/>
+            <a:ext cx="1287000" cy="1132560"/>
           </a:xfrm>
           <a:prstGeom prst="rect">
             <a:avLst/>
